--- a/Diploma/presentation/Kolykhalov_RK6-84B_Diploma.pptx
+++ b/Diploma/presentation/Kolykhalov_RK6-84B_Diploma.pptx
@@ -219,7 +219,7 @@
           <a:p>
             <a:fld id="{0ACDC9ED-6C41-46A4-A697-D16DFA40FCFA}" type="datetimeFigureOut">
               <a:rPr lang="ru-RU" smtClean="0"/>
-              <a:t>18.06.2025</a:t>
+              <a:t>19.06.2025</a:t>
             </a:fld>
             <a:endParaRPr lang="ru-RU"/>
           </a:p>
@@ -523,18 +523,13 @@
           <a:p>
             <a:r>
               <a:rPr lang="ru-RU"/>
-              <a:t>Методы в </a:t>
-            </a:r>
-            <a:r>
-              <a:rPr lang="en-US"/>
-              <a:t>GAEA</a:t>
-            </a:r>
-            <a:endParaRPr lang="ru-RU"/>
+              <a:t>Добрый день уважаемая комиссия</a:t>
+            </a:r>
           </a:p>
           <a:p>
             <a:r>
               <a:rPr lang="ru-RU"/>
-              <a:t>Первоначальная форма ландшафта – шум перлина + псоледующая обработка при помощи эрозий</a:t>
+              <a:t>Тема моей работы Визуализация природных ландшафтов и средневекового поселение на UE5</a:t>
             </a:r>
           </a:p>
         </p:txBody>
@@ -556,7 +551,7 @@
           <a:p>
             <a:fld id="{3B64B97D-9FD7-4743-ACD9-9FBFC13BD460}" type="slidenum">
               <a:rPr lang="ru-RU" smtClean="0"/>
-              <a:t>5</a:t>
+              <a:t>1</a:t>
             </a:fld>
             <a:endParaRPr lang="ru-RU"/>
           </a:p>
@@ -565,7 +560,7 @@
     </p:spTree>
     <p:extLst>
       <p:ext uri="{BB962C8B-B14F-4D97-AF65-F5344CB8AC3E}">
-        <p14:creationId xmlns:p14="http://schemas.microsoft.com/office/powerpoint/2010/main" val="1206101607"/>
+        <p14:creationId xmlns:p14="http://schemas.microsoft.com/office/powerpoint/2010/main" val="3955993865"/>
       </p:ext>
     </p:extLst>
   </p:cSld>
@@ -576,6 +571,629 @@
 </file>
 
 <file path=ppt/notesSlides/notesSlide10.xml><?xml version="1.0" encoding="utf-8"?>
+<p:notes xmlns:a="http://schemas.openxmlformats.org/drawingml/2006/main" xmlns:r="http://schemas.openxmlformats.org/officeDocument/2006/relationships" xmlns:p14="http://schemas.microsoft.com/office/powerpoint/2010/main" xmlns:a14="http://schemas.microsoft.com/office/drawing/2010/main" xmlns:p="http://schemas.openxmlformats.org/presentationml/2006/main">
+  <p:cSld>
+    <p:spTree>
+      <p:nvGrpSpPr>
+        <p:cNvPr id="1" name=""/>
+        <p:cNvGrpSpPr/>
+        <p:nvPr/>
+      </p:nvGrpSpPr>
+      <p:grpSpPr>
+        <a:xfrm>
+          <a:off x="0" y="0"/>
+          <a:ext cx="0" cy="0"/>
+        </a:xfrm>
+      </p:grpSpPr>
+      <p:sp>
+        <p:nvSpPr>
+          <p:cNvPr id="2" name="Образ слайда 1"/>
+          <p:cNvSpPr>
+            <a:spLocks noGrp="1" noRot="1" noChangeAspect="1"/>
+          </p:cNvSpPr>
+          <p:nvPr>
+            <p:ph type="sldImg"/>
+          </p:nvPr>
+        </p:nvSpPr>
+        <p:spPr/>
+      </p:sp>
+      <p:sp>
+        <p:nvSpPr>
+          <p:cNvPr id="3" name="Заметки 2"/>
+          <p:cNvSpPr>
+            <a:spLocks noGrp="1"/>
+          </p:cNvSpPr>
+          <p:nvPr>
+            <p:ph type="body" idx="1"/>
+          </p:nvPr>
+        </p:nvSpPr>
+        <p:spPr/>
+        <p:txBody>
+          <a:bodyPr/>
+          <a:lstStyle/>
+          <a:p>
+            <a:pPr marL="0" marR="0" lvl="0" indent="0" algn="l" defTabSz="914400" rtl="0" eaLnBrk="1" fontAlgn="auto" latinLnBrk="0" hangingPunct="1">
+              <a:lnSpc>
+                <a:spcPct val="100000"/>
+              </a:lnSpc>
+              <a:spcBef>
+                <a:spcPct val="0"/>
+              </a:spcBef>
+              <a:spcAft>
+                <a:spcPct val="0"/>
+              </a:spcAft>
+              <a:buClrTx/>
+              <a:buSzTx/>
+              <a:buFontTx/>
+              <a:buNone/>
+              <a:defRPr/>
+            </a:pPr>
+            <a:r>
+              <a:rPr lang="ru-RU" sz="1200">
+                <a:latin typeface="Times New Roman" panose="02020603050405020304" pitchFamily="18" charset="0"/>
+                <a:cs typeface="Times New Roman" panose="02020603050405020304" pitchFamily="18" charset="0"/>
+              </a:rPr>
+              <a:t>При реализации водных объектов особое внимание уделялось правильной работе с освещением</a:t>
+            </a:r>
+          </a:p>
+          <a:p>
+            <a:pPr marL="0" marR="0" lvl="0" indent="0" algn="l" defTabSz="914400" rtl="0" eaLnBrk="1" fontAlgn="auto" latinLnBrk="0" hangingPunct="1">
+              <a:lnSpc>
+                <a:spcPct val="100000"/>
+              </a:lnSpc>
+              <a:spcBef>
+                <a:spcPct val="0"/>
+              </a:spcBef>
+              <a:spcAft>
+                <a:spcPct val="0"/>
+              </a:spcAft>
+              <a:buClrTx/>
+              <a:buSzTx/>
+              <a:buFontTx/>
+              <a:buNone/>
+              <a:defRPr/>
+            </a:pPr>
+            <a:r>
+              <a:rPr lang="ru-RU" sz="1200">
+                <a:latin typeface="Times New Roman" panose="02020603050405020304" pitchFamily="18" charset="0"/>
+                <a:cs typeface="Times New Roman" panose="02020603050405020304" pitchFamily="18" charset="0"/>
+              </a:rPr>
+              <a:t>Для решения используется Спектральное отражение (блики на воде) (модель Фонга)  и эффект Френеля для реалистичного смешивание отражения и преломления лучей света. Сам эффект представлен на слайде в виде формулы Шика, что является аппроксимацией, что реализует точность и быстродействие получаемого результата. Разработанный материал на рисунке 7, водный объект с данным материалом на рисунке 8</a:t>
+            </a:r>
+            <a:endParaRPr lang="ru-RU"/>
+          </a:p>
+        </p:txBody>
+      </p:sp>
+      <p:sp>
+        <p:nvSpPr>
+          <p:cNvPr id="4" name="Номер слайда 3"/>
+          <p:cNvSpPr>
+            <a:spLocks noGrp="1"/>
+          </p:cNvSpPr>
+          <p:nvPr>
+            <p:ph type="sldNum" sz="quarter" idx="5"/>
+          </p:nvPr>
+        </p:nvSpPr>
+        <p:spPr/>
+        <p:txBody>
+          <a:bodyPr/>
+          <a:lstStyle/>
+          <a:p>
+            <a:fld id="{3B64B97D-9FD7-4743-ACD9-9FBFC13BD460}" type="slidenum">
+              <a:rPr lang="ru-RU" smtClean="0"/>
+              <a:t>10</a:t>
+            </a:fld>
+            <a:endParaRPr lang="ru-RU"/>
+          </a:p>
+        </p:txBody>
+      </p:sp>
+    </p:spTree>
+    <p:extLst>
+      <p:ext uri="{BB962C8B-B14F-4D97-AF65-F5344CB8AC3E}">
+        <p14:creationId xmlns:p14="http://schemas.microsoft.com/office/powerpoint/2010/main" val="1264211723"/>
+      </p:ext>
+    </p:extLst>
+  </p:cSld>
+  <p:clrMapOvr>
+    <a:masterClrMapping/>
+  </p:clrMapOvr>
+</p:notes>
+</file>
+
+<file path=ppt/notesSlides/notesSlide11.xml><?xml version="1.0" encoding="utf-8"?>
+<p:notes xmlns:a="http://schemas.openxmlformats.org/drawingml/2006/main" xmlns:r="http://schemas.openxmlformats.org/officeDocument/2006/relationships" xmlns:p14="http://schemas.microsoft.com/office/powerpoint/2010/main" xmlns:a14="http://schemas.microsoft.com/office/drawing/2010/main" xmlns:p="http://schemas.openxmlformats.org/presentationml/2006/main">
+  <p:cSld>
+    <p:spTree>
+      <p:nvGrpSpPr>
+        <p:cNvPr id="1" name=""/>
+        <p:cNvGrpSpPr/>
+        <p:nvPr/>
+      </p:nvGrpSpPr>
+      <p:grpSpPr>
+        <a:xfrm>
+          <a:off x="0" y="0"/>
+          <a:ext cx="0" cy="0"/>
+        </a:xfrm>
+      </p:grpSpPr>
+      <p:sp>
+        <p:nvSpPr>
+          <p:cNvPr id="2" name="Образ слайда 1"/>
+          <p:cNvSpPr>
+            <a:spLocks noGrp="1" noRot="1" noChangeAspect="1"/>
+          </p:cNvSpPr>
+          <p:nvPr>
+            <p:ph type="sldImg"/>
+          </p:nvPr>
+        </p:nvSpPr>
+        <p:spPr/>
+      </p:sp>
+      <p:sp>
+        <p:nvSpPr>
+          <p:cNvPr id="3" name="Заметки 2"/>
+          <p:cNvSpPr>
+            <a:spLocks noGrp="1"/>
+          </p:cNvSpPr>
+          <p:nvPr>
+            <p:ph type="body" idx="1"/>
+          </p:nvPr>
+        </p:nvSpPr>
+        <p:spPr/>
+        <p:txBody>
+          <a:bodyPr/>
+          <a:lstStyle/>
+          <a:p>
+            <a:r>
+              <a:rPr lang="ru-RU"/>
+              <a:t>Для автоматизации заполнения сцены различными объектами была разработана процедурная генерация представленная на рисунках 9,10</a:t>
+            </a:r>
+          </a:p>
+        </p:txBody>
+      </p:sp>
+      <p:sp>
+        <p:nvSpPr>
+          <p:cNvPr id="4" name="Номер слайда 3"/>
+          <p:cNvSpPr>
+            <a:spLocks noGrp="1"/>
+          </p:cNvSpPr>
+          <p:nvPr>
+            <p:ph type="sldNum" sz="quarter" idx="5"/>
+          </p:nvPr>
+        </p:nvSpPr>
+        <p:spPr/>
+        <p:txBody>
+          <a:bodyPr/>
+          <a:lstStyle/>
+          <a:p>
+            <a:fld id="{3B64B97D-9FD7-4743-ACD9-9FBFC13BD460}" type="slidenum">
+              <a:rPr lang="ru-RU" smtClean="0"/>
+              <a:t>11</a:t>
+            </a:fld>
+            <a:endParaRPr lang="ru-RU"/>
+          </a:p>
+        </p:txBody>
+      </p:sp>
+    </p:spTree>
+    <p:extLst>
+      <p:ext uri="{BB962C8B-B14F-4D97-AF65-F5344CB8AC3E}">
+        <p14:creationId xmlns:p14="http://schemas.microsoft.com/office/powerpoint/2010/main" val="1303702392"/>
+      </p:ext>
+    </p:extLst>
+  </p:cSld>
+  <p:clrMapOvr>
+    <a:masterClrMapping/>
+  </p:clrMapOvr>
+</p:notes>
+</file>
+
+<file path=ppt/notesSlides/notesSlide12.xml><?xml version="1.0" encoding="utf-8"?>
+<p:notes xmlns:a="http://schemas.openxmlformats.org/drawingml/2006/main" xmlns:r="http://schemas.openxmlformats.org/officeDocument/2006/relationships" xmlns:p14="http://schemas.microsoft.com/office/powerpoint/2010/main" xmlns:a14="http://schemas.microsoft.com/office/drawing/2010/main" xmlns:p="http://schemas.openxmlformats.org/presentationml/2006/main">
+  <p:cSld>
+    <p:spTree>
+      <p:nvGrpSpPr>
+        <p:cNvPr id="1" name=""/>
+        <p:cNvGrpSpPr/>
+        <p:nvPr/>
+      </p:nvGrpSpPr>
+      <p:grpSpPr>
+        <a:xfrm>
+          <a:off x="0" y="0"/>
+          <a:ext cx="0" cy="0"/>
+        </a:xfrm>
+      </p:grpSpPr>
+      <p:sp>
+        <p:nvSpPr>
+          <p:cNvPr id="2" name="Образ слайда 1"/>
+          <p:cNvSpPr>
+            <a:spLocks noGrp="1" noRot="1" noChangeAspect="1"/>
+          </p:cNvSpPr>
+          <p:nvPr>
+            <p:ph type="sldImg"/>
+          </p:nvPr>
+        </p:nvSpPr>
+        <p:spPr/>
+      </p:sp>
+      <p:sp>
+        <p:nvSpPr>
+          <p:cNvPr id="3" name="Заметки 2"/>
+          <p:cNvSpPr>
+            <a:spLocks noGrp="1"/>
+          </p:cNvSpPr>
+          <p:nvPr>
+            <p:ph type="body" idx="1"/>
+          </p:nvPr>
+        </p:nvSpPr>
+        <p:spPr/>
+        <p:txBody>
+          <a:bodyPr/>
+          <a:lstStyle/>
+          <a:p>
+            <a:r>
+              <a:rPr lang="ru-RU"/>
+              <a:t>Для создания средневекового поселения были выделены следующие участки этого поселения:</a:t>
+            </a:r>
+          </a:p>
+          <a:p>
+            <a:r>
+              <a:rPr lang="ru-RU"/>
+              <a:t>Жилая зона</a:t>
+            </a:r>
+          </a:p>
+          <a:p>
+            <a:r>
+              <a:rPr lang="ru-RU"/>
+              <a:t>Зона торговли</a:t>
+            </a:r>
+          </a:p>
+          <a:p>
+            <a:r>
+              <a:rPr lang="ru-RU"/>
+              <a:t>Зона скотоводства и земледелия</a:t>
+            </a:r>
+          </a:p>
+          <a:p>
+            <a:r>
+              <a:rPr lang="ru-RU"/>
+              <a:t>Для каждой из этих зон были разработаны определенные наборы 3д объектов, которые представлены на рисунках 11, 12, 13</a:t>
+            </a:r>
+          </a:p>
+        </p:txBody>
+      </p:sp>
+      <p:sp>
+        <p:nvSpPr>
+          <p:cNvPr id="4" name="Номер слайда 3"/>
+          <p:cNvSpPr>
+            <a:spLocks noGrp="1"/>
+          </p:cNvSpPr>
+          <p:nvPr>
+            <p:ph type="sldNum" sz="quarter" idx="5"/>
+          </p:nvPr>
+        </p:nvSpPr>
+        <p:spPr/>
+        <p:txBody>
+          <a:bodyPr/>
+          <a:lstStyle/>
+          <a:p>
+            <a:fld id="{3B64B97D-9FD7-4743-ACD9-9FBFC13BD460}" type="slidenum">
+              <a:rPr lang="ru-RU" smtClean="0"/>
+              <a:t>12</a:t>
+            </a:fld>
+            <a:endParaRPr lang="ru-RU"/>
+          </a:p>
+        </p:txBody>
+      </p:sp>
+    </p:spTree>
+    <p:extLst>
+      <p:ext uri="{BB962C8B-B14F-4D97-AF65-F5344CB8AC3E}">
+        <p14:creationId xmlns:p14="http://schemas.microsoft.com/office/powerpoint/2010/main" val="4242237456"/>
+      </p:ext>
+    </p:extLst>
+  </p:cSld>
+  <p:clrMapOvr>
+    <a:masterClrMapping/>
+  </p:clrMapOvr>
+</p:notes>
+</file>
+
+<file path=ppt/notesSlides/notesSlide13.xml><?xml version="1.0" encoding="utf-8"?>
+<p:notes xmlns:a="http://schemas.openxmlformats.org/drawingml/2006/main" xmlns:r="http://schemas.openxmlformats.org/officeDocument/2006/relationships" xmlns:p14="http://schemas.microsoft.com/office/powerpoint/2010/main" xmlns:a14="http://schemas.microsoft.com/office/drawing/2010/main" xmlns:p="http://schemas.openxmlformats.org/presentationml/2006/main">
+  <p:cSld>
+    <p:spTree>
+      <p:nvGrpSpPr>
+        <p:cNvPr id="1" name=""/>
+        <p:cNvGrpSpPr/>
+        <p:nvPr/>
+      </p:nvGrpSpPr>
+      <p:grpSpPr>
+        <a:xfrm>
+          <a:off x="0" y="0"/>
+          <a:ext cx="0" cy="0"/>
+        </a:xfrm>
+      </p:grpSpPr>
+      <p:sp>
+        <p:nvSpPr>
+          <p:cNvPr id="2" name="Образ слайда 1"/>
+          <p:cNvSpPr>
+            <a:spLocks noGrp="1" noRot="1" noChangeAspect="1"/>
+          </p:cNvSpPr>
+          <p:nvPr>
+            <p:ph type="sldImg"/>
+          </p:nvPr>
+        </p:nvSpPr>
+        <p:spPr/>
+      </p:sp>
+      <p:sp>
+        <p:nvSpPr>
+          <p:cNvPr id="3" name="Заметки 2"/>
+          <p:cNvSpPr>
+            <a:spLocks noGrp="1"/>
+          </p:cNvSpPr>
+          <p:nvPr>
+            <p:ph type="body" idx="1"/>
+          </p:nvPr>
+        </p:nvSpPr>
+        <p:spPr/>
+        <p:txBody>
+          <a:bodyPr/>
+          <a:lstStyle/>
+          <a:p>
+            <a:r>
+              <a:rPr lang="ru-RU" sz="1200">
+                <a:effectLst/>
+                <a:latin typeface="Times New Roman" panose="02020603050405020304" pitchFamily="18" charset="0"/>
+                <a:ea typeface="Calibri" panose="020f0502020204030204" pitchFamily="34" charset="0"/>
+              </a:rPr>
+              <a:t>Немаловажной и очень трудоёмкой задачей при создании 3д сцен является настройка освещения сцены, где обязательными компонентами являются направленный свет, имитирующий солнце, атмосфера неба, небесный свет и туман.</a:t>
+            </a:r>
+          </a:p>
+          <a:p>
+            <a:r>
+              <a:rPr lang="ru-RU" sz="1200">
+                <a:effectLst/>
+                <a:latin typeface="Times New Roman" panose="02020603050405020304" pitchFamily="18" charset="0"/>
+                <a:ea typeface="Calibri" panose="020f0502020204030204" pitchFamily="34" charset="0"/>
+              </a:rPr>
+              <a:t>Обязательные компоненты освещения имеют множество параметров правильная настройка которых придает реалистичность и детализацию сцены. Например направленный свет имеет такие параметры как интенсивность, направление и ориентации, подвижность и тени.</a:t>
+            </a:r>
+          </a:p>
+          <a:p>
+            <a:endParaRPr lang="ru-RU" sz="1200">
+              <a:effectLst/>
+              <a:latin typeface="Times New Roman" panose="02020603050405020304" pitchFamily="18" charset="0"/>
+              <a:ea typeface="Calibri" panose="020f0502020204030204" pitchFamily="34" charset="0"/>
+            </a:endParaRPr>
+          </a:p>
+        </p:txBody>
+      </p:sp>
+      <p:sp>
+        <p:nvSpPr>
+          <p:cNvPr id="4" name="Номер слайда 3"/>
+          <p:cNvSpPr>
+            <a:spLocks noGrp="1"/>
+          </p:cNvSpPr>
+          <p:nvPr>
+            <p:ph type="sldNum" sz="quarter" idx="5"/>
+          </p:nvPr>
+        </p:nvSpPr>
+        <p:spPr/>
+        <p:txBody>
+          <a:bodyPr/>
+          <a:lstStyle/>
+          <a:p>
+            <a:fld id="{3B64B97D-9FD7-4743-ACD9-9FBFC13BD460}" type="slidenum">
+              <a:rPr lang="ru-RU" smtClean="0"/>
+              <a:t>13</a:t>
+            </a:fld>
+            <a:endParaRPr lang="ru-RU"/>
+          </a:p>
+        </p:txBody>
+      </p:sp>
+    </p:spTree>
+    <p:extLst>
+      <p:ext uri="{BB962C8B-B14F-4D97-AF65-F5344CB8AC3E}">
+        <p14:creationId xmlns:p14="http://schemas.microsoft.com/office/powerpoint/2010/main" val="393450171"/>
+      </p:ext>
+    </p:extLst>
+  </p:cSld>
+  <p:clrMapOvr>
+    <a:masterClrMapping/>
+  </p:clrMapOvr>
+</p:notes>
+</file>
+
+<file path=ppt/notesSlides/notesSlide14.xml><?xml version="1.0" encoding="utf-8"?>
+<p:notes xmlns:a="http://schemas.openxmlformats.org/drawingml/2006/main" xmlns:r="http://schemas.openxmlformats.org/officeDocument/2006/relationships" xmlns:p14="http://schemas.microsoft.com/office/powerpoint/2010/main" xmlns:a14="http://schemas.microsoft.com/office/drawing/2010/main" xmlns:p="http://schemas.openxmlformats.org/presentationml/2006/main">
+  <p:cSld>
+    <p:spTree>
+      <p:nvGrpSpPr>
+        <p:cNvPr id="1" name=""/>
+        <p:cNvGrpSpPr/>
+        <p:nvPr/>
+      </p:nvGrpSpPr>
+      <p:grpSpPr>
+        <a:xfrm>
+          <a:off x="0" y="0"/>
+          <a:ext cx="0" cy="0"/>
+        </a:xfrm>
+      </p:grpSpPr>
+      <p:sp>
+        <p:nvSpPr>
+          <p:cNvPr id="2" name="Образ слайда 1"/>
+          <p:cNvSpPr>
+            <a:spLocks noGrp="1" noRot="1" noChangeAspect="1"/>
+          </p:cNvSpPr>
+          <p:nvPr>
+            <p:ph type="sldImg"/>
+          </p:nvPr>
+        </p:nvSpPr>
+        <p:spPr/>
+      </p:sp>
+      <p:sp>
+        <p:nvSpPr>
+          <p:cNvPr id="3" name="Заметки 2"/>
+          <p:cNvSpPr>
+            <a:spLocks noGrp="1"/>
+          </p:cNvSpPr>
+          <p:nvPr>
+            <p:ph type="body" idx="1"/>
+          </p:nvPr>
+        </p:nvSpPr>
+        <p:spPr/>
+        <p:txBody>
+          <a:bodyPr/>
+          <a:lstStyle/>
+          <a:p>
+            <a:r>
+              <a:rPr lang="ru-RU"/>
+              <a:t>Для решения проблемы производительности в сцене использовался метод уровней детализации объектов, который подразумевает уменьшения количества полигонов для отображение объекта.</a:t>
+            </a:r>
+          </a:p>
+          <a:p>
+            <a:r>
+              <a:rPr lang="ru-RU"/>
+              <a:t>Каждый уровень детализации создается разработчиком отдельно. Важной особенностью использования данного метода является баланс между степенью детализации и количеством полигонов данного объекта. Пример сравнения производительности для каждого уровня детализации представлен в таблице 1. Также для улучшения производительности в сцене была проведена оптимизация сложности шейдеров. Результат оптимизации шейдеров представлен на рисунке 15. Где зеленый хорошо, белый-красный – ужас.</a:t>
+            </a:r>
+          </a:p>
+        </p:txBody>
+      </p:sp>
+      <p:sp>
+        <p:nvSpPr>
+          <p:cNvPr id="4" name="Номер слайда 3"/>
+          <p:cNvSpPr>
+            <a:spLocks noGrp="1"/>
+          </p:cNvSpPr>
+          <p:nvPr>
+            <p:ph type="sldNum" sz="quarter" idx="5"/>
+          </p:nvPr>
+        </p:nvSpPr>
+        <p:spPr/>
+        <p:txBody>
+          <a:bodyPr/>
+          <a:lstStyle/>
+          <a:p>
+            <a:fld id="{3B64B97D-9FD7-4743-ACD9-9FBFC13BD460}" type="slidenum">
+              <a:rPr lang="ru-RU" smtClean="0"/>
+              <a:t>14</a:t>
+            </a:fld>
+            <a:endParaRPr lang="ru-RU"/>
+          </a:p>
+        </p:txBody>
+      </p:sp>
+    </p:spTree>
+    <p:extLst>
+      <p:ext uri="{BB962C8B-B14F-4D97-AF65-F5344CB8AC3E}">
+        <p14:creationId xmlns:p14="http://schemas.microsoft.com/office/powerpoint/2010/main" val="1871740425"/>
+      </p:ext>
+    </p:extLst>
+  </p:cSld>
+  <p:clrMapOvr>
+    <a:masterClrMapping/>
+  </p:clrMapOvr>
+</p:notes>
+</file>
+
+<file path=ppt/notesSlides/notesSlide15.xml><?xml version="1.0" encoding="utf-8"?>
+<p:notes xmlns:a="http://schemas.openxmlformats.org/drawingml/2006/main" xmlns:r="http://schemas.openxmlformats.org/officeDocument/2006/relationships" xmlns:p14="http://schemas.microsoft.com/office/powerpoint/2010/main" xmlns:a14="http://schemas.microsoft.com/office/drawing/2010/main" xmlns:p="http://schemas.openxmlformats.org/presentationml/2006/main">
+  <p:cSld>
+    <p:spTree>
+      <p:nvGrpSpPr>
+        <p:cNvPr id="1" name=""/>
+        <p:cNvGrpSpPr/>
+        <p:nvPr/>
+      </p:nvGrpSpPr>
+      <p:grpSpPr>
+        <a:xfrm>
+          <a:off x="0" y="0"/>
+          <a:ext cx="0" cy="0"/>
+        </a:xfrm>
+      </p:grpSpPr>
+      <p:sp>
+        <p:nvSpPr>
+          <p:cNvPr id="2" name="Образ слайда 1"/>
+          <p:cNvSpPr>
+            <a:spLocks noGrp="1" noRot="1" noChangeAspect="1"/>
+          </p:cNvSpPr>
+          <p:nvPr>
+            <p:ph type="sldImg"/>
+          </p:nvPr>
+        </p:nvSpPr>
+        <p:spPr/>
+      </p:sp>
+      <p:sp>
+        <p:nvSpPr>
+          <p:cNvPr id="3" name="Заметки 2"/>
+          <p:cNvSpPr>
+            <a:spLocks noGrp="1"/>
+          </p:cNvSpPr>
+          <p:nvPr>
+            <p:ph type="body" idx="1"/>
+          </p:nvPr>
+        </p:nvSpPr>
+        <p:spPr/>
+        <p:txBody>
+          <a:bodyPr/>
+          <a:lstStyle/>
+          <a:p>
+            <a:r>
+              <a:rPr lang="ru-RU" sz="1200">
+                <a:effectLst/>
+                <a:latin typeface="Times New Roman" panose="02020603050405020304" pitchFamily="18" charset="0"/>
+                <a:ea typeface="Calibri" panose="020f0502020204030204" pitchFamily="34" charset="0"/>
+                <a:cs typeface="Times New Roman" panose="02020603050405020304" pitchFamily="18" charset="0"/>
+              </a:rPr>
+              <a:t>Для создания персонажей окружения были разработаны классы на языке C++, такие как класс персонажа окружения, класс поиска случайно локации, класс поиска главного персонажа, класс преследования главного персонажа.</a:t>
+            </a:r>
+          </a:p>
+          <a:p>
+            <a:r>
+              <a:rPr lang="ru-RU" sz="1200">
+                <a:effectLst/>
+                <a:latin typeface="Times New Roman" panose="02020603050405020304" pitchFamily="18" charset="0"/>
+                <a:ea typeface="Calibri" panose="020f0502020204030204" pitchFamily="34" charset="0"/>
+                <a:cs typeface="Times New Roman" panose="02020603050405020304" pitchFamily="18" charset="0"/>
+              </a:rPr>
+              <a:t>При создании персонажей окружения логикой данных персонажей управляет дерево поведение, которое представлено на рисунке 16, основным компонентом при создании дерева поведения является доска задач/возможностей персонала окружения</a:t>
+            </a:r>
+            <a:endParaRPr lang="ru-RU"/>
+          </a:p>
+        </p:txBody>
+      </p:sp>
+      <p:sp>
+        <p:nvSpPr>
+          <p:cNvPr id="4" name="Номер слайда 3"/>
+          <p:cNvSpPr>
+            <a:spLocks noGrp="1"/>
+          </p:cNvSpPr>
+          <p:nvPr>
+            <p:ph type="sldNum" sz="quarter" idx="5"/>
+          </p:nvPr>
+        </p:nvSpPr>
+        <p:spPr/>
+        <p:txBody>
+          <a:bodyPr/>
+          <a:lstStyle/>
+          <a:p>
+            <a:fld id="{3B64B97D-9FD7-4743-ACD9-9FBFC13BD460}" type="slidenum">
+              <a:rPr lang="ru-RU" smtClean="0"/>
+              <a:t>15</a:t>
+            </a:fld>
+            <a:endParaRPr lang="ru-RU"/>
+          </a:p>
+        </p:txBody>
+      </p:sp>
+    </p:spTree>
+    <p:extLst>
+      <p:ext uri="{BB962C8B-B14F-4D97-AF65-F5344CB8AC3E}">
+        <p14:creationId xmlns:p14="http://schemas.microsoft.com/office/powerpoint/2010/main" val="2773545489"/>
+      </p:ext>
+    </p:extLst>
+  </p:cSld>
+  <p:clrMapOvr>
+    <a:masterClrMapping/>
+  </p:clrMapOvr>
+</p:notes>
+</file>
+
+<file path=ppt/notesSlides/notesSlide16.xml><?xml version="1.0" encoding="utf-8"?>
 <p:notes xmlns:a="http://schemas.openxmlformats.org/drawingml/2006/main" xmlns:r="http://schemas.openxmlformats.org/officeDocument/2006/relationships" xmlns:p14="http://schemas.microsoft.com/office/powerpoint/2010/main" xmlns:a14="http://schemas.microsoft.com/office/drawing/2010/main" xmlns:p="http://schemas.openxmlformats.org/presentationml/2006/main">
   <p:cSld>
     <p:spTree>
@@ -637,23 +1255,7 @@
           <a:p>
             <a:r>
               <a:rPr lang="ru-RU"/>
-              <a:t>Одним из важных дополнений при создании средневекового поселения является создание боевой системы. Использовалась виз технологии </a:t>
-            </a:r>
-            <a:r>
-              <a:rPr lang="en-US"/>
-              <a:t>Blueprints</a:t>
-            </a:r>
-            <a:r>
-              <a:rPr lang="ru-RU"/>
-              <a:t> и разработка на </a:t>
-            </a:r>
-            <a:r>
-              <a:rPr lang="en-US"/>
-              <a:t>C++</a:t>
-            </a:r>
-            <a:r>
-              <a:rPr lang="ru-RU"/>
-              <a:t>.</a:t>
+              <a:t>Важным дополнением при создании средневекового поселения является разработка боевой системы. Для ее реализации были выполнены такие действия, как настроены анимации перемещения персонажей, разработаны различные механики для персонажей окружения и пользователя, разработаны эффекты и звуковое сопровождение действий персонажей, разработаны вражеские персонажи окружения.</a:t>
             </a:r>
           </a:p>
         </p:txBody>
@@ -700,7 +1302,7 @@
 </p:notes>
 </file>
 
-<file path=ppt/notesSlides/notesSlide11.xml><?xml version="1.0" encoding="utf-8"?>
+<file path=ppt/notesSlides/notesSlide17.xml><?xml version="1.0" encoding="utf-8"?>
 <p:notes xmlns:a="http://schemas.openxmlformats.org/drawingml/2006/main" xmlns:r="http://schemas.openxmlformats.org/officeDocument/2006/relationships" xmlns:p14="http://schemas.microsoft.com/office/powerpoint/2010/main" xmlns:a14="http://schemas.microsoft.com/office/drawing/2010/main" xmlns:p="http://schemas.openxmlformats.org/presentationml/2006/main">
   <p:cSld>
     <p:spTree>
@@ -762,27 +1364,50 @@
           <a:p>
             <a:r>
               <a:rPr lang="ru-RU"/>
-              <a:t>Для реализации была создана собственная структура данных подбираемых предметов, на которой основана база данных этих самых предметов.</a:t>
+              <a:t>Одной из важных механик при создании боевой системы является система инвентаризации. Для ее реализации были разработаны:</a:t>
             </a:r>
           </a:p>
           <a:p>
             <a:r>
               <a:rPr lang="ru-RU"/>
-              <a:t>На языке </a:t>
-            </a:r>
-            <a:r>
-              <a:rPr lang="en-US"/>
-              <a:t>C++ </a:t>
-            </a:r>
+              <a:t>1. Собственная структура данных для подбираемых предметов</a:t>
+            </a:r>
+          </a:p>
+          <a:p>
             <a:r>
               <a:rPr lang="ru-RU"/>
-              <a:t>были разработаны следующие классы</a:t>
-            </a:r>
-            <a:r>
-              <a:rPr lang="en-US"/>
-              <a:t>…</a:t>
-            </a:r>
-            <a:endParaRPr lang="ru-RU"/>
+              <a:t>2. Класс получения этих данных про подборе предмета</a:t>
+            </a:r>
+          </a:p>
+          <a:p>
+            <a:r>
+              <a:rPr lang="ru-RU"/>
+              <a:t>3. Класс для взаимодействия с объектом на сцене </a:t>
+            </a:r>
+          </a:p>
+          <a:p>
+            <a:r>
+              <a:rPr lang="ru-RU"/>
+              <a:t>4. Класс для представления объекта на сцене</a:t>
+            </a:r>
+          </a:p>
+          <a:p>
+            <a:r>
+              <a:rPr lang="ru-RU"/>
+              <a:t>5. Класс основных функций подбора предмета</a:t>
+            </a:r>
+          </a:p>
+          <a:p>
+            <a:r>
+              <a:rPr lang="ru-RU"/>
+              <a:t>6. Классы для реализации визуальной составляющей</a:t>
+            </a:r>
+          </a:p>
+          <a:p>
+            <a:r>
+              <a:rPr lang="ru-RU"/>
+              <a:t>Блок схема системы инвентаризации представлена на рисунке 20.</a:t>
+            </a:r>
           </a:p>
         </p:txBody>
       </p:sp>
@@ -828,7 +1453,7 @@
 </p:notes>
 </file>
 
-<file path=ppt/notesSlides/notesSlide12.xml><?xml version="1.0" encoding="utf-8"?>
+<file path=ppt/notesSlides/notesSlide18.xml><?xml version="1.0" encoding="utf-8"?>
 <p:notes xmlns:a="http://schemas.openxmlformats.org/drawingml/2006/main" xmlns:r="http://schemas.openxmlformats.org/officeDocument/2006/relationships" xmlns:p14="http://schemas.microsoft.com/office/powerpoint/2010/main" xmlns:a14="http://schemas.microsoft.com/office/drawing/2010/main" xmlns:p="http://schemas.openxmlformats.org/presentationml/2006/main">
   <p:cSld>
     <p:spTree>
@@ -888,7 +1513,10 @@
           <a:bodyPr/>
           <a:lstStyle/>
           <a:p>
-            <a:endParaRPr lang="ru-RU"/>
+            <a:r>
+              <a:rPr lang="ru-RU"/>
+              <a:t>Результаты разработки </a:t>
+            </a:r>
           </a:p>
         </p:txBody>
       </p:sp>
@@ -934,7 +1562,7 @@
 </p:notes>
 </file>
 
-<file path=ppt/notesSlides/notesSlide13.xml><?xml version="1.0" encoding="utf-8"?>
+<file path=ppt/notesSlides/notesSlide19.xml><?xml version="1.0" encoding="utf-8"?>
 <p:notes xmlns:a="http://schemas.openxmlformats.org/drawingml/2006/main" xmlns:r="http://schemas.openxmlformats.org/officeDocument/2006/relationships" xmlns:p14="http://schemas.microsoft.com/office/powerpoint/2010/main" xmlns:a14="http://schemas.microsoft.com/office/drawing/2010/main" xmlns:p="http://schemas.openxmlformats.org/presentationml/2006/main">
   <p:cSld>
     <p:spTree>
@@ -994,7 +1622,10 @@
           <a:bodyPr/>
           <a:lstStyle/>
           <a:p>
-            <a:endParaRPr lang="ru-RU"/>
+            <a:r>
+              <a:rPr lang="ru-RU"/>
+              <a:t>Результаты разработки </a:t>
+            </a:r>
           </a:p>
         </p:txBody>
       </p:sp>
@@ -1031,112 +1662,6 @@
     <p:extLst>
       <p:ext uri="{BB962C8B-B14F-4D97-AF65-F5344CB8AC3E}">
         <p14:creationId xmlns:p14="http://schemas.microsoft.com/office/powerpoint/2010/main" val="2623925637"/>
-      </p:ext>
-    </p:extLst>
-  </p:cSld>
-  <p:clrMapOvr>
-    <a:masterClrMapping/>
-  </p:clrMapOvr>
-</p:notes>
-</file>
-
-<file path=ppt/notesSlides/notesSlide14.xml><?xml version="1.0" encoding="utf-8"?>
-<p:notes xmlns:a="http://schemas.openxmlformats.org/drawingml/2006/main" xmlns:r="http://schemas.openxmlformats.org/officeDocument/2006/relationships" xmlns:p14="http://schemas.microsoft.com/office/powerpoint/2010/main" xmlns:a14="http://schemas.microsoft.com/office/drawing/2010/main" xmlns:p="http://schemas.openxmlformats.org/presentationml/2006/main">
-  <p:cSld>
-    <p:spTree>
-      <p:nvGrpSpPr>
-        <p:cNvPr id="1" name="">
-          <a:extLst>
-            <a:ext uri="{FF2B5EF4-FFF2-40B4-BE49-F238E27FC236}">
-              <a16:creationId xmlns:a16="http://schemas.microsoft.com/office/drawing/2014/main" id="{584BD443-F354-6EDA-8B1F-40C15EF704E9}"/>
-            </a:ext>
-          </a:extLst>
-        </p:cNvPr>
-        <p:cNvGrpSpPr/>
-        <p:nvPr/>
-      </p:nvGrpSpPr>
-      <p:grpSpPr>
-        <a:xfrm>
-          <a:off x="0" y="0"/>
-          <a:ext cx="0" cy="0"/>
-        </a:xfrm>
-      </p:grpSpPr>
-      <p:sp>
-        <p:nvSpPr>
-          <p:cNvPr id="2" name="Образ слайда 1">
-            <a:extLst>
-              <a:ext uri="{FF2B5EF4-FFF2-40B4-BE49-F238E27FC236}">
-                <a16:creationId xmlns:a16="http://schemas.microsoft.com/office/drawing/2014/main" id="{A013EFBE-C4E9-D21D-68B1-0FE91D15F25D}"/>
-              </a:ext>
-            </a:extLst>
-          </p:cNvPr>
-          <p:cNvSpPr>
-            <a:spLocks noGrp="1" noRot="1" noChangeAspect="1"/>
-          </p:cNvSpPr>
-          <p:nvPr>
-            <p:ph type="sldImg"/>
-          </p:nvPr>
-        </p:nvSpPr>
-        <p:spPr/>
-      </p:sp>
-      <p:sp>
-        <p:nvSpPr>
-          <p:cNvPr id="3" name="Заметки 2">
-            <a:extLst>
-              <a:ext uri="{FF2B5EF4-FFF2-40B4-BE49-F238E27FC236}">
-                <a16:creationId xmlns:a16="http://schemas.microsoft.com/office/drawing/2014/main" id="{880ABEB3-D814-CAA4-C83B-9FC6C6C8635F}"/>
-              </a:ext>
-            </a:extLst>
-          </p:cNvPr>
-          <p:cNvSpPr>
-            <a:spLocks noGrp="1"/>
-          </p:cNvSpPr>
-          <p:nvPr>
-            <p:ph type="body" idx="1"/>
-          </p:nvPr>
-        </p:nvSpPr>
-        <p:spPr/>
-        <p:txBody>
-          <a:bodyPr/>
-          <a:lstStyle/>
-          <a:p>
-            <a:endParaRPr lang="ru-RU"/>
-          </a:p>
-        </p:txBody>
-      </p:sp>
-      <p:sp>
-        <p:nvSpPr>
-          <p:cNvPr id="4" name="Номер слайда 3">
-            <a:extLst>
-              <a:ext uri="{FF2B5EF4-FFF2-40B4-BE49-F238E27FC236}">
-                <a16:creationId xmlns:a16="http://schemas.microsoft.com/office/drawing/2014/main" id="{64837861-C0B7-44AA-E178-C9414A0BD2CF}"/>
-              </a:ext>
-            </a:extLst>
-          </p:cNvPr>
-          <p:cNvSpPr>
-            <a:spLocks noGrp="1"/>
-          </p:cNvSpPr>
-          <p:nvPr>
-            <p:ph type="sldNum" sz="quarter" idx="5"/>
-          </p:nvPr>
-        </p:nvSpPr>
-        <p:spPr/>
-        <p:txBody>
-          <a:bodyPr/>
-          <a:lstStyle/>
-          <a:p>
-            <a:fld id="{3B64B97D-9FD7-4743-ACD9-9FBFC13BD460}" type="slidenum">
-              <a:rPr lang="ru-RU" smtClean="0"/>
-              <a:t>20</a:t>
-            </a:fld>
-            <a:endParaRPr lang="ru-RU"/>
-          </a:p>
-        </p:txBody>
-      </p:sp>
-    </p:spTree>
-    <p:extLst>
-      <p:ext uri="{BB962C8B-B14F-4D97-AF65-F5344CB8AC3E}">
-        <p14:creationId xmlns:p14="http://schemas.microsoft.com/office/powerpoint/2010/main" val="1265055764"/>
       </p:ext>
     </p:extLst>
   </p:cSld>
@@ -1190,19 +1715,37 @@
           <a:p>
             <a:r>
               <a:rPr lang="ru-RU"/>
-              <a:t>Был создан материал, включающий в себя другие, для обозначения и текстурирования слоев, всего их 5.</a:t>
+              <a:t>В современном мире 3д сцены с рендерингом на UE используются в различных сферах, таких как кинематограф, архитектурные проекты, телевидение, авиационные тренажеры. Основной проблемой при создании таких сцен является поиск баланса между детализацией самой сцены и оптимизацией 3д моделей, ландшафта для возможности рендеринга в реальном времени</a:t>
             </a:r>
           </a:p>
           <a:p>
             <a:r>
               <a:rPr lang="ru-RU"/>
-              <a:t>Переход по высоте + используется плавный переход</a:t>
+              <a:t>Актуальность работы заключается в том, что:</a:t>
             </a:r>
           </a:p>
           <a:p>
             <a:r>
               <a:rPr lang="ru-RU"/>
-              <a:t>Оптимизация за счет виртуального текстурирования, общий раскрас</a:t>
+              <a:t>1. Созданные 3д сцены используются в различных сферах и могут быть использованы с виртуальной и дополненной реальностях</a:t>
+            </a:r>
+          </a:p>
+          <a:p>
+            <a:r>
+              <a:rPr lang="ru-RU"/>
+              <a:t>2. Разработка собственного материала ландшафта позволяет автоматизировать процесс нанесения материала на слои ландшафта</a:t>
+            </a:r>
+          </a:p>
+          <a:p>
+            <a:r>
+              <a:rPr lang="ru-RU"/>
+              <a:t>3. Моделирование средневекового поселения способствует сохранению и популяризации культурного наследия</a:t>
+            </a:r>
+          </a:p>
+          <a:p>
+            <a:r>
+              <a:rPr lang="ru-RU"/>
+              <a:t>4. Работа охватывает сразу несколько областей, которые отражают современные требования предъявляемые к специалистам в цифровом производстве</a:t>
             </a:r>
           </a:p>
         </p:txBody>
@@ -1224,7 +1767,7 @@
           <a:p>
             <a:fld id="{3B64B97D-9FD7-4743-ACD9-9FBFC13BD460}" type="slidenum">
               <a:rPr lang="ru-RU" smtClean="0"/>
-              <a:t>7</a:t>
+              <a:t>2</a:t>
             </a:fld>
             <a:endParaRPr lang="ru-RU"/>
           </a:p>
@@ -1233,7 +1776,201 @@
     </p:spTree>
     <p:extLst>
       <p:ext uri="{BB962C8B-B14F-4D97-AF65-F5344CB8AC3E}">
-        <p14:creationId xmlns:p14="http://schemas.microsoft.com/office/powerpoint/2010/main" val="2792733521"/>
+        <p14:creationId xmlns:p14="http://schemas.microsoft.com/office/powerpoint/2010/main" val="945167916"/>
+      </p:ext>
+    </p:extLst>
+  </p:cSld>
+  <p:clrMapOvr>
+    <a:masterClrMapping/>
+  </p:clrMapOvr>
+</p:notes>
+</file>
+
+<file path=ppt/notesSlides/notesSlide20.xml><?xml version="1.0" encoding="utf-8"?>
+<p:notes xmlns:a="http://schemas.openxmlformats.org/drawingml/2006/main" xmlns:r="http://schemas.openxmlformats.org/officeDocument/2006/relationships" xmlns:p14="http://schemas.microsoft.com/office/powerpoint/2010/main" xmlns:a14="http://schemas.microsoft.com/office/drawing/2010/main" xmlns:p="http://schemas.openxmlformats.org/presentationml/2006/main">
+  <p:cSld>
+    <p:spTree>
+      <p:nvGrpSpPr>
+        <p:cNvPr id="1" name="">
+          <a:extLst>
+            <a:ext uri="{FF2B5EF4-FFF2-40B4-BE49-F238E27FC236}">
+              <a16:creationId xmlns:a16="http://schemas.microsoft.com/office/drawing/2014/main" id="{584BD443-F354-6EDA-8B1F-40C15EF704E9}"/>
+            </a:ext>
+          </a:extLst>
+        </p:cNvPr>
+        <p:cNvGrpSpPr/>
+        <p:nvPr/>
+      </p:nvGrpSpPr>
+      <p:grpSpPr>
+        <a:xfrm>
+          <a:off x="0" y="0"/>
+          <a:ext cx="0" cy="0"/>
+        </a:xfrm>
+      </p:grpSpPr>
+      <p:sp>
+        <p:nvSpPr>
+          <p:cNvPr id="2" name="Образ слайда 1">
+            <a:extLst>
+              <a:ext uri="{FF2B5EF4-FFF2-40B4-BE49-F238E27FC236}">
+                <a16:creationId xmlns:a16="http://schemas.microsoft.com/office/drawing/2014/main" id="{A013EFBE-C4E9-D21D-68B1-0FE91D15F25D}"/>
+              </a:ext>
+            </a:extLst>
+          </p:cNvPr>
+          <p:cNvSpPr>
+            <a:spLocks noGrp="1" noRot="1" noChangeAspect="1"/>
+          </p:cNvSpPr>
+          <p:nvPr>
+            <p:ph type="sldImg"/>
+          </p:nvPr>
+        </p:nvSpPr>
+        <p:spPr/>
+      </p:sp>
+      <p:sp>
+        <p:nvSpPr>
+          <p:cNvPr id="3" name="Заметки 2">
+            <a:extLst>
+              <a:ext uri="{FF2B5EF4-FFF2-40B4-BE49-F238E27FC236}">
+                <a16:creationId xmlns:a16="http://schemas.microsoft.com/office/drawing/2014/main" id="{880ABEB3-D814-CAA4-C83B-9FC6C6C8635F}"/>
+              </a:ext>
+            </a:extLst>
+          </p:cNvPr>
+          <p:cNvSpPr>
+            <a:spLocks noGrp="1"/>
+          </p:cNvSpPr>
+          <p:nvPr>
+            <p:ph type="body" idx="1"/>
+          </p:nvPr>
+        </p:nvSpPr>
+        <p:spPr/>
+        <p:txBody>
+          <a:bodyPr/>
+          <a:lstStyle/>
+          <a:p>
+            <a:r>
+              <a:rPr lang="ru-RU"/>
+              <a:t>Результаты разработки </a:t>
+            </a:r>
+          </a:p>
+        </p:txBody>
+      </p:sp>
+      <p:sp>
+        <p:nvSpPr>
+          <p:cNvPr id="4" name="Номер слайда 3">
+            <a:extLst>
+              <a:ext uri="{FF2B5EF4-FFF2-40B4-BE49-F238E27FC236}">
+                <a16:creationId xmlns:a16="http://schemas.microsoft.com/office/drawing/2014/main" id="{64837861-C0B7-44AA-E178-C9414A0BD2CF}"/>
+              </a:ext>
+            </a:extLst>
+          </p:cNvPr>
+          <p:cNvSpPr>
+            <a:spLocks noGrp="1"/>
+          </p:cNvSpPr>
+          <p:nvPr>
+            <p:ph type="sldNum" sz="quarter" idx="5"/>
+          </p:nvPr>
+        </p:nvSpPr>
+        <p:spPr/>
+        <p:txBody>
+          <a:bodyPr/>
+          <a:lstStyle/>
+          <a:p>
+            <a:fld id="{3B64B97D-9FD7-4743-ACD9-9FBFC13BD460}" type="slidenum">
+              <a:rPr lang="ru-RU" smtClean="0"/>
+              <a:t>20</a:t>
+            </a:fld>
+            <a:endParaRPr lang="ru-RU"/>
+          </a:p>
+        </p:txBody>
+      </p:sp>
+    </p:spTree>
+    <p:extLst>
+      <p:ext uri="{BB962C8B-B14F-4D97-AF65-F5344CB8AC3E}">
+        <p14:creationId xmlns:p14="http://schemas.microsoft.com/office/powerpoint/2010/main" val="1265055764"/>
+      </p:ext>
+    </p:extLst>
+  </p:cSld>
+  <p:clrMapOvr>
+    <a:masterClrMapping/>
+  </p:clrMapOvr>
+</p:notes>
+</file>
+
+<file path=ppt/notesSlides/notesSlide21.xml><?xml version="1.0" encoding="utf-8"?>
+<p:notes xmlns:a="http://schemas.openxmlformats.org/drawingml/2006/main" xmlns:r="http://schemas.openxmlformats.org/officeDocument/2006/relationships" xmlns:p14="http://schemas.microsoft.com/office/powerpoint/2010/main" xmlns:a14="http://schemas.microsoft.com/office/drawing/2010/main" xmlns:p="http://schemas.openxmlformats.org/presentationml/2006/main">
+  <p:cSld>
+    <p:spTree>
+      <p:nvGrpSpPr>
+        <p:cNvPr id="1" name=""/>
+        <p:cNvGrpSpPr/>
+        <p:nvPr/>
+      </p:nvGrpSpPr>
+      <p:grpSpPr>
+        <a:xfrm>
+          <a:off x="0" y="0"/>
+          <a:ext cx="0" cy="0"/>
+        </a:xfrm>
+      </p:grpSpPr>
+      <p:sp>
+        <p:nvSpPr>
+          <p:cNvPr id="2" name="Образ слайда 1"/>
+          <p:cNvSpPr>
+            <a:spLocks noGrp="1" noRot="1" noChangeAspect="1"/>
+          </p:cNvSpPr>
+          <p:nvPr>
+            <p:ph type="sldImg"/>
+          </p:nvPr>
+        </p:nvSpPr>
+        <p:spPr/>
+      </p:sp>
+      <p:sp>
+        <p:nvSpPr>
+          <p:cNvPr id="3" name="Заметки 2"/>
+          <p:cNvSpPr>
+            <a:spLocks noGrp="1"/>
+          </p:cNvSpPr>
+          <p:nvPr>
+            <p:ph type="body" idx="1"/>
+          </p:nvPr>
+        </p:nvSpPr>
+        <p:spPr/>
+        <p:txBody>
+          <a:bodyPr/>
+          <a:lstStyle/>
+          <a:p>
+            <a:r>
+              <a:rPr lang="ru-RU"/>
+              <a:t>Заключение</a:t>
+            </a:r>
+          </a:p>
+        </p:txBody>
+      </p:sp>
+      <p:sp>
+        <p:nvSpPr>
+          <p:cNvPr id="4" name="Номер слайда 3"/>
+          <p:cNvSpPr>
+            <a:spLocks noGrp="1"/>
+          </p:cNvSpPr>
+          <p:nvPr>
+            <p:ph type="sldNum" sz="quarter" idx="5"/>
+          </p:nvPr>
+        </p:nvSpPr>
+        <p:spPr/>
+        <p:txBody>
+          <a:bodyPr/>
+          <a:lstStyle/>
+          <a:p>
+            <a:fld id="{3B64B97D-9FD7-4743-ACD9-9FBFC13BD460}" type="slidenum">
+              <a:rPr lang="ru-RU" smtClean="0"/>
+              <a:t>21</a:t>
+            </a:fld>
+            <a:endParaRPr lang="ru-RU"/>
+          </a:p>
+        </p:txBody>
+      </p:sp>
+    </p:spTree>
+    <p:extLst>
+      <p:ext uri="{BB962C8B-B14F-4D97-AF65-F5344CB8AC3E}">
+        <p14:creationId xmlns:p14="http://schemas.microsoft.com/office/powerpoint/2010/main" val="348562228"/>
       </p:ext>
     </p:extLst>
   </p:cSld>
@@ -1287,13 +2024,7 @@
           <a:p>
             <a:r>
               <a:rPr lang="ru-RU"/>
-              <a:t>Важной особенность создания природных сцен является заполнение объектами, таких как растительность, водные объекты и пр.</a:t>
-            </a:r>
-          </a:p>
-          <a:p>
-            <a:r>
-              <a:rPr lang="ru-RU"/>
-              <a:t>Основные методы добавления растительности.</a:t>
+              <a:t>В настоящее время государство проявляет заинтересованность в проектах с трехмерной графикой. Финансирование данных проектов ведется посредством Института Развития Интернета. На рисунке один представлен один исторических проектов СМУТА.</a:t>
             </a:r>
           </a:p>
         </p:txBody>
@@ -1315,7 +2046,7 @@
           <a:p>
             <a:fld id="{3B64B97D-9FD7-4743-ACD9-9FBFC13BD460}" type="slidenum">
               <a:rPr lang="ru-RU" smtClean="0"/>
-              <a:t>8</a:t>
+              <a:t>3</a:t>
             </a:fld>
             <a:endParaRPr lang="ru-RU"/>
           </a:p>
@@ -1324,7 +2055,7 @@
     </p:spTree>
     <p:extLst>
       <p:ext uri="{BB962C8B-B14F-4D97-AF65-F5344CB8AC3E}">
-        <p14:creationId xmlns:p14="http://schemas.microsoft.com/office/powerpoint/2010/main" val="242302682"/>
+        <p14:creationId xmlns:p14="http://schemas.microsoft.com/office/powerpoint/2010/main" val="2133738034"/>
       </p:ext>
     </p:extLst>
   </p:cSld>
@@ -1376,72 +2107,51 @@
           <a:bodyPr/>
           <a:lstStyle/>
           <a:p>
-            <a:pPr marL="0" marR="0" lvl="0" indent="0" algn="l" defTabSz="914400" rtl="0" eaLnBrk="1" fontAlgn="auto" latinLnBrk="0" hangingPunct="1">
-              <a:lnSpc>
-                <a:spcPct val="100000"/>
-              </a:lnSpc>
-              <a:spcBef>
-                <a:spcPct val="0"/>
-              </a:spcBef>
-              <a:spcAft>
-                <a:spcPct val="0"/>
-              </a:spcAft>
-              <a:buClrTx/>
-              <a:buSzTx/>
-              <a:buFontTx/>
-              <a:buNone/>
-              <a:defRPr/>
-            </a:pPr>
-            <a:r>
-              <a:rPr lang="ru-RU" sz="1200">
-                <a:latin typeface="Times New Roman" panose="02020603050405020304" pitchFamily="18" charset="0"/>
-                <a:cs typeface="Times New Roman" panose="02020603050405020304" pitchFamily="18" charset="0"/>
-              </a:rPr>
-              <a:t>Основной задачей реализации водных объектов является правильная работа со светом для большей реалистичности объекта.</a:t>
-            </a:r>
-          </a:p>
-          <a:p>
-            <a:pPr marL="0" marR="0" lvl="0" indent="0" algn="l" defTabSz="914400" rtl="0" eaLnBrk="1" fontAlgn="auto" latinLnBrk="0" hangingPunct="1">
-              <a:lnSpc>
-                <a:spcPct val="100000"/>
-              </a:lnSpc>
-              <a:spcBef>
-                <a:spcPct val="0"/>
-              </a:spcBef>
-              <a:spcAft>
-                <a:spcPct val="0"/>
-              </a:spcAft>
-              <a:buClrTx/>
-              <a:buSzTx/>
-              <a:buFontTx/>
-              <a:buNone/>
-              <a:defRPr/>
-            </a:pPr>
-            <a:r>
-              <a:rPr lang="ru-RU" sz="1200">
-                <a:latin typeface="Times New Roman" panose="02020603050405020304" pitchFamily="18" charset="0"/>
-                <a:cs typeface="Times New Roman" panose="02020603050405020304" pitchFamily="18" charset="0"/>
-              </a:rPr>
-              <a:t>Для добавления водных объектов было создано углубления при помощи инструментов редактирования ландшафта, последующим созданием поверхности и добавления на нее разработанного водного материала.</a:t>
-            </a:r>
-            <a:endParaRPr lang="ru-RU"/>
-          </a:p>
-          <a:p>
-            <a:pPr marL="228600" indent="-228600">
-              <a:buAutoNum type="arabicPeriod"/>
-            </a:pPr>
             <a:r>
               <a:rPr lang="ru-RU"/>
-              <a:t>Блики на воде</a:t>
-            </a:r>
-          </a:p>
-          <a:p>
-            <a:pPr marL="228600" indent="-228600">
-              <a:buAutoNum type="arabicPeriod"/>
-            </a:pPr>
+              <a:t>Целью моей работы является создание сцен с природных ландшафтом и СП на UE5.</a:t>
+            </a:r>
+          </a:p>
+          <a:p>
             <a:r>
               <a:rPr lang="ru-RU"/>
-              <a:t>Смешивание отражения и преломления (формула Шика) – эмпирическая аппроксимация, 5 т к плавно и реалистично, хорошо аппроксимирует, среднее между точностью и быстродействием. </a:t>
+              <a:t>Для достижения данной цели необходимо выполнить следующие задачи, такие как</a:t>
+            </a:r>
+          </a:p>
+          <a:p>
+            <a:r>
+              <a:rPr lang="ru-RU"/>
+              <a:t>1. Создать детализированный природный ландшафт</a:t>
+            </a:r>
+          </a:p>
+          <a:p>
+            <a:r>
+              <a:rPr lang="ru-RU"/>
+              <a:t>2. Наполнить ландшафт различными природными объектами</a:t>
+            </a:r>
+          </a:p>
+          <a:p>
+            <a:r>
+              <a:rPr lang="ru-RU"/>
+              <a:t>3. Создать ландшафт большого размера и средневековое поселение</a:t>
+            </a:r>
+          </a:p>
+          <a:p>
+            <a:r>
+              <a:rPr lang="ru-RU"/>
+              <a:t>4. Настроить освещение и произвести оптимизацию сцены</a:t>
+            </a:r>
+          </a:p>
+          <a:p>
+            <a:r>
+              <a:rPr lang="ru-RU"/>
+              <a:t>5. Создать анимированных персонажей окружения</a:t>
+            </a:r>
+          </a:p>
+          <a:p>
+            <a:r>
+              <a:rPr lang="ru-RU"/>
+              <a:t>6. Разработать боевую систему для пользователя и персонажей окружения</a:t>
             </a:r>
           </a:p>
         </p:txBody>
@@ -1463,7 +2173,7 @@
           <a:p>
             <a:fld id="{3B64B97D-9FD7-4743-ACD9-9FBFC13BD460}" type="slidenum">
               <a:rPr lang="ru-RU" smtClean="0"/>
-              <a:t>10</a:t>
+              <a:t>4</a:t>
             </a:fld>
             <a:endParaRPr lang="ru-RU"/>
           </a:p>
@@ -1472,7 +2182,7 @@
     </p:spTree>
     <p:extLst>
       <p:ext uri="{BB962C8B-B14F-4D97-AF65-F5344CB8AC3E}">
-        <p14:creationId xmlns:p14="http://schemas.microsoft.com/office/powerpoint/2010/main" val="1264211723"/>
+        <p14:creationId xmlns:p14="http://schemas.microsoft.com/office/powerpoint/2010/main" val="827622335"/>
       </p:ext>
     </p:extLst>
   </p:cSld>
@@ -1525,40 +2235,14 @@
           <a:lstStyle/>
           <a:p>
             <a:r>
-              <a:rPr lang="en-US"/>
-              <a:t>PCG </a:t>
-            </a:r>
-            <a:r>
               <a:rPr lang="ru-RU"/>
-              <a:t>в виде графов</a:t>
-            </a:r>
-          </a:p>
-          <a:p>
-            <a:r>
-              <a:rPr lang="en-US"/>
-              <a:t>Input </a:t>
-            </a:r>
+              <a:t>Для создания ландшафта используется приложение GAEA, которая позволяет создать уникальный ландшафт основываясь на следующих алгоритмах, таких как шум перлина, что является фрактальным алгоритмом, который задаёт базовую форму ландшафта </a:t>
+            </a:r>
+          </a:p>
+          <a:p>
             <a:r>
               <a:rPr lang="ru-RU"/>
-              <a:t>и </a:t>
-            </a:r>
-            <a:r>
-              <a:rPr lang="en-US"/>
-              <a:t>Output </a:t>
-            </a:r>
-            <a:r>
-              <a:rPr lang="ru-RU"/>
-              <a:t>формальны</a:t>
-            </a:r>
-          </a:p>
-          <a:p>
-            <a:r>
-              <a:rPr lang="en-US"/>
-              <a:t>PCG </a:t>
-            </a:r>
-            <a:r>
-              <a:rPr lang="ru-RU"/>
-              <a:t>задает шум(изменение) помимо самой точки</a:t>
+              <a:t>Полученный результат на рисунке 2</a:t>
             </a:r>
           </a:p>
         </p:txBody>
@@ -1580,7 +2264,7 @@
           <a:p>
             <a:fld id="{3B64B97D-9FD7-4743-ACD9-9FBFC13BD460}" type="slidenum">
               <a:rPr lang="ru-RU" smtClean="0"/>
-              <a:t>11</a:t>
+              <a:t>5</a:t>
             </a:fld>
             <a:endParaRPr lang="ru-RU"/>
           </a:p>
@@ -1589,7 +2273,7 @@
     </p:spTree>
     <p:extLst>
       <p:ext uri="{BB962C8B-B14F-4D97-AF65-F5344CB8AC3E}">
-        <p14:creationId xmlns:p14="http://schemas.microsoft.com/office/powerpoint/2010/main" val="1303702392"/>
+        <p14:creationId xmlns:p14="http://schemas.microsoft.com/office/powerpoint/2010/main" val="1206101607"/>
       </p:ext>
     </p:extLst>
   </p:cSld>
@@ -1643,7 +2327,13 @@
           <a:p>
             <a:r>
               <a:rPr lang="ru-RU"/>
-              <a:t>И разработаны 3д модели объектов каждой зоны ….. (перечисление)</a:t>
+              <a:t>И последующими обработками за счёт термической и гидравлической эрозий, которые придают естественную форму ландшафта за счёт моделирования осыпания почвы и потоков воды</a:t>
+            </a:r>
+          </a:p>
+          <a:p>
+            <a:r>
+              <a:rPr lang="ru-RU"/>
+              <a:t>Полученный ландшафт представлен на рисунке 3</a:t>
             </a:r>
           </a:p>
         </p:txBody>
@@ -1665,7 +2355,7 @@
           <a:p>
             <a:fld id="{3B64B97D-9FD7-4743-ACD9-9FBFC13BD460}" type="slidenum">
               <a:rPr lang="ru-RU" smtClean="0"/>
-              <a:t>12</a:t>
+              <a:t>6</a:t>
             </a:fld>
             <a:endParaRPr lang="ru-RU"/>
           </a:p>
@@ -1674,7 +2364,7 @@
     </p:spTree>
     <p:extLst>
       <p:ext uri="{BB962C8B-B14F-4D97-AF65-F5344CB8AC3E}">
-        <p14:creationId xmlns:p14="http://schemas.microsoft.com/office/powerpoint/2010/main" val="4242237456"/>
+        <p14:creationId xmlns:p14="http://schemas.microsoft.com/office/powerpoint/2010/main" val="75819579"/>
       </p:ext>
     </p:extLst>
   </p:cSld>
@@ -1727,54 +2417,14 @@
           <a:lstStyle/>
           <a:p>
             <a:r>
-              <a:rPr lang="ru-RU" sz="1200">
-                <a:effectLst/>
-                <a:latin typeface="Times New Roman" panose="02020603050405020304" pitchFamily="18" charset="0"/>
-                <a:ea typeface="Calibri" panose="020f0502020204030204" pitchFamily="34" charset="0"/>
-              </a:rPr>
-              <a:t>Каждый из обязательных компонентов освещения имеет множество параметров, таких как направление, интенсивность, ориентация, подвижность, тени, настройка которых является трудоемким и времязатратным процессом.</a:t>
-            </a:r>
-          </a:p>
-          <a:p>
-            <a:r>
-              <a:rPr lang="ru-RU" sz="1200">
-                <a:effectLst/>
-                <a:latin typeface="Times New Roman" panose="02020603050405020304" pitchFamily="18" charset="0"/>
-                <a:ea typeface="Calibri" panose="020f0502020204030204" pitchFamily="34" charset="0"/>
-              </a:rPr>
-              <a:t>Для более точной настройки освещение </a:t>
-            </a:r>
-            <a:r>
-              <a:rPr lang="en-US" sz="1200">
-                <a:effectLst/>
-                <a:latin typeface="Times New Roman" panose="02020603050405020304" pitchFamily="18" charset="0"/>
-                <a:ea typeface="Calibri" panose="020f0502020204030204" pitchFamily="34" charset="0"/>
-              </a:rPr>
-              <a:t>Unreal Engine </a:t>
-            </a:r>
-            <a:r>
-              <a:rPr lang="ru-RU" sz="1200">
-                <a:effectLst/>
-                <a:latin typeface="Times New Roman" panose="02020603050405020304" pitchFamily="18" charset="0"/>
-                <a:ea typeface="Calibri" panose="020f0502020204030204" pitchFamily="34" charset="0"/>
-              </a:rPr>
-              <a:t>предоставляет дополнительные возможности. Одной из них является </a:t>
-            </a:r>
-            <a:r>
-              <a:rPr lang="en-US" sz="1200">
-                <a:effectLst/>
-                <a:latin typeface="Times New Roman" panose="02020603050405020304" pitchFamily="18" charset="0"/>
-                <a:ea typeface="Calibri" panose="020f0502020204030204" pitchFamily="34" charset="0"/>
-              </a:rPr>
-              <a:t>Post Process Volume</a:t>
-            </a:r>
-            <a:r>
-              <a:rPr lang="ru-RU" sz="1200">
-                <a:effectLst/>
-                <a:latin typeface="Times New Roman" panose="02020603050405020304" pitchFamily="18" charset="0"/>
-                <a:ea typeface="Calibri" panose="020f0502020204030204" pitchFamily="34" charset="0"/>
-              </a:rPr>
-              <a:t>. Данный эффект позволяет определять общий внешний вид сцены с помощью комбинированного выбора свойств и функций, влияющих на окраску, тональное отображение, освещение и многое другое</a:t>
+              <a:rPr lang="ru-RU"/>
+              <a:t>После импорта полученной карты высот ландшафта был разработан материал ландшафта. Основными задачи при разработке которого являлись: создание отдельных материалов для каждого слоя ландшафта, использовать высоту ландшафта для корректного определения позиционирования слоя ландшафта, возможность быстрого редактирования параметров материала и использование виртуального текстурирования для уменьшения сложности вычисления полученного шейдера.</a:t>
+            </a:r>
+          </a:p>
+          <a:p>
+            <a:r>
+              <a:rPr lang="ru-RU"/>
+              <a:t>Разработанный материал ландшафта представлен на рисунке 4, на рисунке 5 - функция вирт текстурирования</a:t>
             </a:r>
           </a:p>
         </p:txBody>
@@ -1796,7 +2446,7 @@
           <a:p>
             <a:fld id="{3B64B97D-9FD7-4743-ACD9-9FBFC13BD460}" type="slidenum">
               <a:rPr lang="ru-RU" smtClean="0"/>
-              <a:t>13</a:t>
+              <a:t>7</a:t>
             </a:fld>
             <a:endParaRPr lang="ru-RU"/>
           </a:p>
@@ -1805,7 +2455,7 @@
     </p:spTree>
     <p:extLst>
       <p:ext uri="{BB962C8B-B14F-4D97-AF65-F5344CB8AC3E}">
-        <p14:creationId xmlns:p14="http://schemas.microsoft.com/office/powerpoint/2010/main" val="393450171"/>
+        <p14:creationId xmlns:p14="http://schemas.microsoft.com/office/powerpoint/2010/main" val="2792733521"/>
       </p:ext>
     </p:extLst>
   </p:cSld>
@@ -1859,78 +2509,20 @@
           <a:p>
             <a:r>
               <a:rPr lang="ru-RU"/>
-              <a:t>При создании 3д сцен с рендерингом пейзажа на </a:t>
-            </a:r>
-            <a:r>
-              <a:rPr lang="en-US"/>
-              <a:t>UE</a:t>
-            </a:r>
+              <a:t>Для добавление растительности UЕ имеет специальный инструмент Foliage mode, который основан на следующих методах:</a:t>
+            </a:r>
+          </a:p>
+          <a:p>
             <a:r>
               <a:rPr lang="ru-RU"/>
-              <a:t> основной проблемой </a:t>
-            </a:r>
-            <a:r>
-              <a:rPr lang="en-US" sz="1200" kern="1200" err="1">
-                <a:solidFill>
-                  <a:schemeClr val="tx1"/>
-                </a:solidFill>
-                <a:effectLst/>
-                <a:latin typeface="+mn-lt"/>
-                <a:ea typeface="+mn-ea"/>
-                <a:cs typeface="+mn-cs"/>
-              </a:rPr>
-              <a:t>является поиск баланса между детализацией самой сцены и оптимизацией 3D моделей и ландшафта для возможности рендеринга в реальном времени.</a:t>
-            </a:r>
-            <a:r>
-              <a:rPr lang="ru-RU" sz="1200" kern="1200">
-                <a:solidFill>
-                  <a:schemeClr val="tx1"/>
-                </a:solidFill>
-                <a:effectLst/>
-                <a:latin typeface="+mn-lt"/>
-                <a:ea typeface="+mn-ea"/>
-                <a:cs typeface="+mn-cs"/>
-              </a:rPr>
-              <a:t> </a:t>
-            </a:r>
-            <a:r>
-              <a:rPr lang="en-US"/>
-              <a:t> </a:t>
-            </a:r>
-            <a:endParaRPr lang="ru-RU"/>
+              <a:t>Распределение объектов - для равномерного распределения без пересечений</a:t>
+            </a:r>
           </a:p>
           <a:p>
             <a:r>
               <a:rPr lang="ru-RU"/>
-              <a:t>Следует выбрать определенный </a:t>
-            </a:r>
-            <a:r>
-              <a:rPr lang="en-US"/>
-              <a:t>LOD </a:t>
-            </a:r>
-            <a:r>
-              <a:rPr lang="ru-RU"/>
-              <a:t>с меньшей сеткой, но чтобы не было проблем с моделью. Каждая </a:t>
-            </a:r>
-            <a:r>
-              <a:rPr lang="en-US"/>
-              <a:t>LOD </a:t>
-            </a:r>
-            <a:r>
-              <a:rPr lang="ru-RU"/>
-              <a:t>создается отдельно разработчиком модели, т е одна модель включает в себя подмодели.</a:t>
-            </a:r>
-          </a:p>
-          <a:p>
-            <a:r>
-              <a:rPr lang="ru-RU"/>
-              <a:t>Сравнения производительности при 10 рядом стоящих деревьев и включенном </a:t>
-            </a:r>
-            <a:r>
-              <a:rPr lang="en-US"/>
-              <a:t>Lumen.</a:t>
-            </a:r>
-            <a:endParaRPr lang="ru-RU"/>
+              <a:t>Гармонический осциллятор - для моделирование потоков ветра проходящих через растительность</a:t>
+            </a:r>
           </a:p>
         </p:txBody>
       </p:sp>
@@ -1951,7 +2543,7 @@
           <a:p>
             <a:fld id="{3B64B97D-9FD7-4743-ACD9-9FBFC13BD460}" type="slidenum">
               <a:rPr lang="ru-RU" smtClean="0"/>
-              <a:t>14</a:t>
+              <a:t>8</a:t>
             </a:fld>
             <a:endParaRPr lang="ru-RU"/>
           </a:p>
@@ -1960,7 +2552,7 @@
     </p:spTree>
     <p:extLst>
       <p:ext uri="{BB962C8B-B14F-4D97-AF65-F5344CB8AC3E}">
-        <p14:creationId xmlns:p14="http://schemas.microsoft.com/office/powerpoint/2010/main" val="1871740425"/>
+        <p14:creationId xmlns:p14="http://schemas.microsoft.com/office/powerpoint/2010/main" val="242302682"/>
       </p:ext>
     </p:extLst>
   </p:cSld>
@@ -2013,263 +2605,15 @@
           <a:lstStyle/>
           <a:p>
             <a:r>
-              <a:rPr lang="ru-RU" sz="1200">
-                <a:effectLst/>
-                <a:latin typeface="Times New Roman" panose="02020603050405020304" pitchFamily="18" charset="0"/>
-                <a:ea typeface="Calibri" panose="020f0502020204030204" pitchFamily="34" charset="0"/>
-                <a:cs typeface="Times New Roman" panose="02020603050405020304" pitchFamily="18" charset="0"/>
-              </a:rPr>
-              <a:t>В </a:t>
-            </a:r>
-            <a:r>
-              <a:rPr lang="en-US" sz="1200">
-                <a:effectLst/>
-                <a:latin typeface="Times New Roman" panose="02020603050405020304" pitchFamily="18" charset="0"/>
-                <a:ea typeface="Calibri" panose="020f0502020204030204" pitchFamily="34" charset="0"/>
-                <a:cs typeface="Times New Roman" panose="02020603050405020304" pitchFamily="18" charset="0"/>
-              </a:rPr>
-              <a:t>Unreal Engine </a:t>
-            </a:r>
-            <a:r>
-              <a:rPr lang="ru-RU" sz="1200">
-                <a:effectLst/>
-                <a:latin typeface="Times New Roman" panose="02020603050405020304" pitchFamily="18" charset="0"/>
-                <a:ea typeface="Calibri" panose="020f0502020204030204" pitchFamily="34" charset="0"/>
-                <a:cs typeface="Times New Roman" panose="02020603050405020304" pitchFamily="18" charset="0"/>
-              </a:rPr>
-              <a:t>логика персонажа окружения осуществляется за счет </a:t>
-            </a:r>
-            <a:r>
-              <a:rPr lang="en-US" sz="1200">
-                <a:effectLst/>
-                <a:latin typeface="Times New Roman" panose="02020603050405020304" pitchFamily="18" charset="0"/>
-                <a:ea typeface="Calibri" panose="020f0502020204030204" pitchFamily="34" charset="0"/>
-                <a:cs typeface="Times New Roman" panose="02020603050405020304" pitchFamily="18" charset="0"/>
-              </a:rPr>
-              <a:t>Behavior Tree </a:t>
-            </a:r>
-            <a:r>
-              <a:rPr lang="ru-RU" sz="1200">
-                <a:effectLst/>
-                <a:latin typeface="Times New Roman" panose="02020603050405020304" pitchFamily="18" charset="0"/>
-                <a:ea typeface="Calibri" panose="020f0502020204030204" pitchFamily="34" charset="0"/>
-                <a:cs typeface="Times New Roman" panose="02020603050405020304" pitchFamily="18" charset="0"/>
-              </a:rPr>
-              <a:t>– дерево поведения, компонентом которого служит </a:t>
-            </a:r>
-            <a:r>
-              <a:rPr lang="en-US" sz="1200">
-                <a:effectLst/>
-                <a:latin typeface="Times New Roman" panose="02020603050405020304" pitchFamily="18" charset="0"/>
-                <a:ea typeface="Calibri" panose="020f0502020204030204" pitchFamily="34" charset="0"/>
-                <a:cs typeface="Times New Roman" panose="02020603050405020304" pitchFamily="18" charset="0"/>
-              </a:rPr>
-              <a:t>Blackboard</a:t>
-            </a:r>
-            <a:r>
-              <a:rPr lang="ru-RU" sz="1200">
-                <a:effectLst/>
-                <a:latin typeface="Times New Roman" panose="02020603050405020304" pitchFamily="18" charset="0"/>
-                <a:ea typeface="Calibri" panose="020f0502020204030204" pitchFamily="34" charset="0"/>
-                <a:cs typeface="Times New Roman" panose="02020603050405020304" pitchFamily="18" charset="0"/>
-              </a:rPr>
-              <a:t> – доска задач/возможностей персонажа окружения.</a:t>
-            </a:r>
-          </a:p>
-          <a:p>
-            <a:pPr lvl="0"/>
-            <a:r>
-              <a:rPr lang="en-US" sz="1200" i="1" kern="1200" err="1">
-                <a:solidFill>
-                  <a:schemeClr val="tx1"/>
-                </a:solidFill>
-                <a:effectLst/>
-                <a:latin typeface="+mn-lt"/>
-                <a:ea typeface="+mn-ea"/>
-                <a:cs typeface="+mn-cs"/>
-              </a:rPr>
-              <a:t>ChasingNPC</a:t>
-            </a:r>
-            <a:r>
-              <a:rPr lang="en-US" sz="1200" kern="1200">
-                <a:solidFill>
-                  <a:schemeClr val="tx1"/>
-                </a:solidFill>
-                <a:effectLst/>
-                <a:latin typeface="+mn-lt"/>
-                <a:ea typeface="+mn-ea"/>
-                <a:cs typeface="+mn-cs"/>
-              </a:rPr>
-              <a:t> – </a:t>
-            </a:r>
-            <a:r>
-              <a:rPr lang="ru-RU" sz="1200" kern="1200">
-                <a:solidFill>
-                  <a:schemeClr val="tx1"/>
-                </a:solidFill>
-                <a:effectLst/>
-                <a:latin typeface="+mn-lt"/>
-                <a:ea typeface="+mn-ea"/>
-                <a:cs typeface="+mn-cs"/>
-              </a:rPr>
-              <a:t>класс персонажа окружения</a:t>
-            </a:r>
-            <a:r>
-              <a:rPr lang="en-US" sz="1200" kern="1200">
-                <a:solidFill>
-                  <a:schemeClr val="tx1"/>
-                </a:solidFill>
-                <a:effectLst/>
-                <a:latin typeface="+mn-lt"/>
-                <a:ea typeface="+mn-ea"/>
-                <a:cs typeface="+mn-cs"/>
-              </a:rPr>
-              <a:t>;</a:t>
-            </a:r>
-            <a:endParaRPr lang="ru-RU" sz="1200" kern="1200">
-              <a:solidFill>
-                <a:schemeClr val="tx1"/>
-              </a:solidFill>
-              <a:effectLst/>
-              <a:latin typeface="+mn-lt"/>
-              <a:ea typeface="+mn-ea"/>
-              <a:cs typeface="+mn-cs"/>
-            </a:endParaRPr>
-          </a:p>
-          <a:p>
-            <a:pPr lvl="0"/>
-            <a:r>
-              <a:rPr lang="en-US" sz="1200" i="1" kern="1200" err="1">
-                <a:solidFill>
-                  <a:schemeClr val="tx1"/>
-                </a:solidFill>
-                <a:effectLst/>
-                <a:latin typeface="+mn-lt"/>
-                <a:ea typeface="+mn-ea"/>
-                <a:cs typeface="+mn-cs"/>
-              </a:rPr>
-              <a:t>FindRandomLocation</a:t>
-            </a:r>
-            <a:r>
-              <a:rPr lang="ru-RU" sz="1200" kern="1200">
-                <a:solidFill>
-                  <a:schemeClr val="tx1"/>
-                </a:solidFill>
-                <a:effectLst/>
-                <a:latin typeface="+mn-lt"/>
-                <a:ea typeface="+mn-ea"/>
-                <a:cs typeface="+mn-cs"/>
-              </a:rPr>
-              <a:t> – класс поиска случайно локации;</a:t>
-            </a:r>
-          </a:p>
-          <a:p>
-            <a:pPr lvl="0"/>
-            <a:r>
-              <a:rPr lang="en-US" sz="1200" i="1" kern="1200" err="1">
-                <a:solidFill>
-                  <a:schemeClr val="tx1"/>
-                </a:solidFill>
-                <a:effectLst/>
-                <a:latin typeface="+mn-lt"/>
-                <a:ea typeface="+mn-ea"/>
-                <a:cs typeface="+mn-cs"/>
-              </a:rPr>
-              <a:t>FindPlayerLocation</a:t>
-            </a:r>
-            <a:r>
-              <a:rPr lang="ru-RU" sz="1200" kern="1200">
-                <a:solidFill>
-                  <a:schemeClr val="tx1"/>
-                </a:solidFill>
-                <a:effectLst/>
-                <a:latin typeface="+mn-lt"/>
-                <a:ea typeface="+mn-ea"/>
-                <a:cs typeface="+mn-cs"/>
-              </a:rPr>
-              <a:t> – класс поиска главного персонажа;</a:t>
-            </a:r>
-          </a:p>
-          <a:p>
-            <a:pPr lvl="0"/>
-            <a:r>
-              <a:rPr lang="en-US" sz="1200" i="1" kern="1200" err="1">
-                <a:solidFill>
-                  <a:schemeClr val="tx1"/>
-                </a:solidFill>
-                <a:effectLst/>
-                <a:latin typeface="+mn-lt"/>
-                <a:ea typeface="+mn-ea"/>
-                <a:cs typeface="+mn-cs"/>
-              </a:rPr>
-              <a:t>ChasePlayer</a:t>
-            </a:r>
-            <a:r>
-              <a:rPr lang="ru-RU" sz="1200" kern="1200">
-                <a:solidFill>
-                  <a:schemeClr val="tx1"/>
-                </a:solidFill>
-                <a:effectLst/>
-                <a:latin typeface="+mn-lt"/>
-                <a:ea typeface="+mn-ea"/>
-                <a:cs typeface="+mn-cs"/>
-              </a:rPr>
-              <a:t> – класс преследования главного персонажа;</a:t>
-            </a:r>
-          </a:p>
-          <a:p>
-            <a:pPr lvl="0"/>
-            <a:r>
-              <a:rPr lang="en-US" sz="1200" i="1" kern="1200" err="1">
-                <a:solidFill>
-                  <a:schemeClr val="tx1"/>
-                </a:solidFill>
-                <a:effectLst/>
-                <a:latin typeface="+mn-lt"/>
-                <a:ea typeface="+mn-ea"/>
-                <a:cs typeface="+mn-cs"/>
-              </a:rPr>
-              <a:t>ChasingNPC</a:t>
-            </a:r>
-            <a:r>
-              <a:rPr lang="ru-RU" sz="1200" i="1" kern="1200">
-                <a:solidFill>
-                  <a:schemeClr val="tx1"/>
-                </a:solidFill>
-                <a:effectLst/>
-                <a:latin typeface="+mn-lt"/>
-                <a:ea typeface="+mn-ea"/>
-                <a:cs typeface="+mn-cs"/>
-              </a:rPr>
-              <a:t>_</a:t>
-            </a:r>
-            <a:r>
-              <a:rPr lang="en-US" sz="1200" i="1" kern="1200" err="1">
-                <a:solidFill>
-                  <a:schemeClr val="tx1"/>
-                </a:solidFill>
-                <a:effectLst/>
-                <a:latin typeface="+mn-lt"/>
-                <a:ea typeface="+mn-ea"/>
-                <a:cs typeface="+mn-cs"/>
-              </a:rPr>
-              <a:t>AIController</a:t>
-            </a:r>
-            <a:r>
-              <a:rPr lang="ru-RU" sz="1200" kern="1200">
-                <a:solidFill>
-                  <a:schemeClr val="tx1"/>
-                </a:solidFill>
-                <a:effectLst/>
-                <a:latin typeface="+mn-lt"/>
-                <a:ea typeface="+mn-ea"/>
-                <a:cs typeface="+mn-cs"/>
-              </a:rPr>
-              <a:t> – класс служащий для контроля действий персонажа окружения.</a:t>
-            </a:r>
-          </a:p>
-          <a:p>
-            <a:endParaRPr lang="ru-RU"/>
+              <a:rPr lang="ru-RU"/>
+              <a:t>Рассеивание света - для пропуска лучей света через растительность</a:t>
+            </a:r>
+          </a:p>
+          <a:p>
+            <a:r>
+              <a:rPr lang="ru-RU"/>
+              <a:t>На рисунке 6 представлены примеры рассеивания света</a:t>
+            </a:r>
           </a:p>
         </p:txBody>
       </p:sp>
@@ -2290,7 +2634,7 @@
           <a:p>
             <a:fld id="{3B64B97D-9FD7-4743-ACD9-9FBFC13BD460}" type="slidenum">
               <a:rPr lang="ru-RU" smtClean="0"/>
-              <a:t>15</a:t>
+              <a:t>9</a:t>
             </a:fld>
             <a:endParaRPr lang="ru-RU"/>
           </a:p>
@@ -2299,7 +2643,7 @@
     </p:spTree>
     <p:extLst>
       <p:ext uri="{BB962C8B-B14F-4D97-AF65-F5344CB8AC3E}">
-        <p14:creationId xmlns:p14="http://schemas.microsoft.com/office/powerpoint/2010/main" val="2773545489"/>
+        <p14:creationId xmlns:p14="http://schemas.microsoft.com/office/powerpoint/2010/main" val="3216378120"/>
       </p:ext>
     </p:extLst>
   </p:cSld>
@@ -2454,7 +2798,7 @@
           <a:p>
             <a:fld id="{43B18DA9-1D64-4C02-A957-8BD24A8F9591}" type="datetimeFigureOut">
               <a:rPr lang="ru-RU" smtClean="0"/>
-              <a:t>18.06.2025</a:t>
+              <a:t>19.06.2025</a:t>
             </a:fld>
             <a:endParaRPr lang="ru-RU"/>
           </a:p>
@@ -2652,7 +2996,7 @@
           <a:p>
             <a:fld id="{43B18DA9-1D64-4C02-A957-8BD24A8F9591}" type="datetimeFigureOut">
               <a:rPr lang="ru-RU" smtClean="0"/>
-              <a:t>18.06.2025</a:t>
+              <a:t>19.06.2025</a:t>
             </a:fld>
             <a:endParaRPr lang="ru-RU"/>
           </a:p>
@@ -2765,7 +3109,7 @@
           <a:p>
             <a:fld id="{43B18DA9-1D64-4C02-A957-8BD24A8F9591}" type="datetimeFigureOut">
               <a:rPr lang="ru-RU" smtClean="0"/>
-              <a:t>18.06.2025</a:t>
+              <a:t>19.06.2025</a:t>
             </a:fld>
             <a:endParaRPr lang="ru-RU"/>
           </a:p>
@@ -3006,7 +3350,7 @@
           <a:p>
             <a:fld id="{43B18DA9-1D64-4C02-A957-8BD24A8F9591}" type="datetimeFigureOut">
               <a:rPr lang="ru-RU" smtClean="0"/>
-              <a:t>18.06.2025</a:t>
+              <a:t>19.06.2025</a:t>
             </a:fld>
             <a:endParaRPr lang="ru-RU"/>
           </a:p>
@@ -3527,7 +3871,7 @@
           <p:nvPr/>
         </p:nvPicPr>
         <p:blipFill>
-          <a:blip r:embed="rId2"/>
+          <a:blip r:embed="rId3"/>
           <a:stretch>
             <a:fillRect/>
           </a:stretch>
@@ -8842,7 +9186,7 @@
           <p:nvPr/>
         </p:nvPicPr>
         <p:blipFill>
-          <a:blip r:embed="rId2">
+          <a:blip r:embed="rId3">
             <a:extLst>
               <a:ext uri="{28A0092B-C50C-407E-A947-70E740481C1C}">
                 <a14:useLocalDpi xmlns:a14="http://schemas.microsoft.com/office/drawing/2010/main" val="0"/>
@@ -8903,7 +9247,7 @@
           <p:nvPr/>
         </p:nvPicPr>
         <p:blipFill>
-          <a:blip r:embed="rId3">
+          <a:blip r:embed="rId4">
             <a:extLst>
               <a:ext uri="{28A0092B-C50C-407E-A947-70E740481C1C}">
                 <a14:useLocalDpi xmlns:a14="http://schemas.microsoft.com/office/drawing/2010/main" val="0"/>
@@ -9624,16 +9968,16 @@
         </p:nvSpPr>
         <p:spPr>
           <a:xfrm>
-            <a:off x="768350" y="329220"/>
+            <a:off x="803274" y="799631"/>
             <a:ext cx="10585450" cy="2318263"/>
           </a:xfrm>
           <a:prstGeom prst="rect">
             <a:avLst/>
           </a:prstGeom>
           <a:blipFill>
-            <a:blip r:embed="rId2"/>
+            <a:blip r:embed="rId3"/>
             <a:stretch>
-              <a:fillRect l="-576" t="-1316" r="-576" b="-3947"/>
+              <a:fillRect l="-634" t="-1316" r="-576" b="-3947"/>
             </a:stretch>
           </a:blipFill>
         </p:spPr>
@@ -9665,7 +10009,7 @@
           <p:nvPr/>
         </p:nvPicPr>
         <p:blipFill>
-          <a:blip r:embed="rId3">
+          <a:blip r:embed="rId4">
             <a:extLst>
               <a:ext uri="{28A0092B-C50C-407E-A947-70E740481C1C}">
                 <a14:useLocalDpi xmlns:a14="http://schemas.microsoft.com/office/drawing/2010/main" val="0"/>
@@ -9679,7 +10023,7 @@
         </p:blipFill>
         <p:spPr bwMode="auto">
           <a:xfrm>
-            <a:off x="2910501" y="2805595"/>
+            <a:off x="2975352" y="3117894"/>
             <a:ext cx="6370996" cy="2629369"/>
           </a:xfrm>
           <a:prstGeom prst="rect">
@@ -9711,7 +10055,7 @@
         </p:nvSpPr>
         <p:spPr>
           <a:xfrm>
-            <a:off x="2910501" y="5434964"/>
+            <a:off x="2975352" y="5747263"/>
             <a:ext cx="6370996" cy="646331"/>
           </a:xfrm>
           <a:prstGeom prst="rect">
@@ -9788,6 +10132,57 @@
               <a:t>21</a:t>
             </a:r>
             <a:endParaRPr lang="en-US" sz="1800"/>
+          </a:p>
+        </p:txBody>
+      </p:sp>
+      <p:sp>
+        <p:nvSpPr>
+          <p:cNvPr id="2" name="Title 1">
+            <a:extLst>
+              <a:ext uri="{FF2B5EF4-FFF2-40B4-BE49-F238E27FC236}">
+                <a16:creationId xmlns:a16="http://schemas.microsoft.com/office/drawing/2014/main" id="{D850105C-22C4-4BBE-0B11-E30F2E980750}"/>
+              </a:ext>
+            </a:extLst>
+          </p:cNvPr>
+          <p:cNvSpPr txBox="1"/>
+          <p:nvPr/>
+        </p:nvSpPr>
+        <p:spPr>
+          <a:xfrm>
+            <a:off x="838199" y="177964"/>
+            <a:ext cx="10515600" cy="1549321"/>
+          </a:xfrm>
+          <a:prstGeom prst="rect">
+            <a:avLst/>
+          </a:prstGeom>
+        </p:spPr>
+        <p:txBody>
+          <a:bodyPr/>
+          <a:lstStyle>
+            <a:lvl1pPr algn="l" defTabSz="914400" rtl="0" eaLnBrk="1" latinLnBrk="0" hangingPunct="1">
+              <a:lnSpc>
+                <a:spcPct val="90000"/>
+              </a:lnSpc>
+              <a:spcBef>
+                <a:spcPct val="0"/>
+              </a:spcBef>
+              <a:buNone/>
+              <a:defRPr sz="4400" kern="1200">
+                <a:solidFill>
+                  <a:schemeClr val="tx1"/>
+                </a:solidFill>
+                <a:latin typeface="+mj-lt"/>
+                <a:ea typeface="+mj-ea"/>
+                <a:cs typeface="+mj-cs"/>
+              </a:defRPr>
+            </a:lvl1pPr>
+          </a:lstStyle>
+          <a:p>
+            <a:r>
+              <a:rPr lang="ru-RU" b="1"/>
+              <a:t>Создание ландшафта</a:t>
+            </a:r>
+            <a:endParaRPr lang="en-US" b="1"/>
           </a:p>
         </p:txBody>
       </p:sp>
@@ -10384,7 +10779,7 @@
           <p:nvPr/>
         </p:nvPicPr>
         <p:blipFill>
-          <a:blip r:embed="rId2">
+          <a:blip r:embed="rId3">
             <a:extLst>
               <a:ext uri="{28A0092B-C50C-407E-A947-70E740481C1C}">
                 <a14:useLocalDpi xmlns:a14="http://schemas.microsoft.com/office/drawing/2010/main" val="0"/>
@@ -10398,8 +10793,8 @@
         </p:blipFill>
         <p:spPr bwMode="auto">
           <a:xfrm>
-            <a:off x="3532478" y="2282342"/>
-            <a:ext cx="5125453" cy="3754286"/>
+            <a:off x="3858083" y="2662498"/>
+            <a:ext cx="4475833" cy="3278453"/>
           </a:xfrm>
           <a:prstGeom prst="rect">
             <a:avLst/>
@@ -10432,16 +10827,16 @@
         </p:nvSpPr>
         <p:spPr>
           <a:xfrm>
-            <a:off x="665203" y="515640"/>
+            <a:off x="838200" y="895796"/>
             <a:ext cx="11150661" cy="1766702"/>
           </a:xfrm>
           <a:prstGeom prst="rect">
             <a:avLst/>
           </a:prstGeom>
           <a:blipFill>
-            <a:blip r:embed="rId3"/>
+            <a:blip r:embed="rId4"/>
             <a:stretch>
-              <a:fillRect l="-437" t="-2076" r="-492" b="-4844"/>
+              <a:fillRect l="-492" t="-2069" r="-437" b="-4483"/>
             </a:stretch>
           </a:blipFill>
         </p:spPr>
@@ -10472,7 +10867,7 @@
         </p:nvSpPr>
         <p:spPr>
           <a:xfrm>
-            <a:off x="4494108" y="6036628"/>
+            <a:off x="4494903" y="5940951"/>
             <a:ext cx="3202192" cy="369332"/>
           </a:xfrm>
           <a:prstGeom prst="rect">
@@ -10537,6 +10932,57 @@
               <a:t>21</a:t>
             </a:r>
             <a:endParaRPr lang="en-US" sz="1800"/>
+          </a:p>
+        </p:txBody>
+      </p:sp>
+      <p:sp>
+        <p:nvSpPr>
+          <p:cNvPr id="2" name="Title 1">
+            <a:extLst>
+              <a:ext uri="{FF2B5EF4-FFF2-40B4-BE49-F238E27FC236}">
+                <a16:creationId xmlns:a16="http://schemas.microsoft.com/office/drawing/2014/main" id="{23B4A4EB-102E-1C57-9BAC-C73E32A66264}"/>
+              </a:ext>
+            </a:extLst>
+          </p:cNvPr>
+          <p:cNvSpPr txBox="1"/>
+          <p:nvPr/>
+        </p:nvSpPr>
+        <p:spPr>
+          <a:xfrm>
+            <a:off x="838200" y="233015"/>
+            <a:ext cx="10515600" cy="1325563"/>
+          </a:xfrm>
+          <a:prstGeom prst="rect">
+            <a:avLst/>
+          </a:prstGeom>
+        </p:spPr>
+        <p:txBody>
+          <a:bodyPr/>
+          <a:lstStyle>
+            <a:lvl1pPr algn="l" defTabSz="914400" rtl="0" eaLnBrk="1" latinLnBrk="0" hangingPunct="1">
+              <a:lnSpc>
+                <a:spcPct val="90000"/>
+              </a:lnSpc>
+              <a:spcBef>
+                <a:spcPct val="0"/>
+              </a:spcBef>
+              <a:buNone/>
+              <a:defRPr sz="4400" kern="1200">
+                <a:solidFill>
+                  <a:schemeClr val="tx1"/>
+                </a:solidFill>
+                <a:latin typeface="+mj-lt"/>
+                <a:ea typeface="+mj-ea"/>
+                <a:cs typeface="+mj-cs"/>
+              </a:defRPr>
+            </a:lvl1pPr>
+          </a:lstStyle>
+          <a:p>
+            <a:r>
+              <a:rPr lang="ru-RU" b="1"/>
+              <a:t>Растительность</a:t>
+            </a:r>
+            <a:endParaRPr lang="en-US" b="1"/>
           </a:p>
         </p:txBody>
       </p:sp>

--- a/Diploma/presentation/Kolykhalov_RK6-84B_Diploma.pptx
+++ b/Diploma/presentation/Kolykhalov_RK6-84B_Diploma.pptx
@@ -4230,7 +4230,7 @@
         <p:spPr>
           <a:xfrm>
             <a:off x="838200" y="0"/>
-            <a:ext cx="10515600" cy="1325563"/>
+            <a:ext cx="11121570" cy="1325563"/>
           </a:xfrm>
         </p:spPr>
         <p:txBody>
@@ -4239,7 +4239,7 @@
           <a:p>
             <a:r>
               <a:rPr lang="ru-RU" b="1"/>
-              <a:t>Процедурная генерация</a:t>
+              <a:t>Процедурная генерация объектов на сцене</a:t>
             </a:r>
             <a:endParaRPr lang="en-US" b="1"/>
           </a:p>
@@ -5436,7 +5436,7 @@
           <a:p>
             <a:r>
               <a:rPr lang="ru-RU" b="1"/>
-              <a:t>Оптимизация</a:t>
+              <a:t>Улучшение производительности</a:t>
             </a:r>
             <a:endParaRPr lang="en-US" b="1"/>
           </a:p>
@@ -9739,7 +9739,7 @@
           <a:p>
             <a:r>
               <a:rPr lang="ru-RU" b="1"/>
-              <a:t>Создание ландшафта</a:t>
+              <a:t>Создание карты высот ландшафта</a:t>
             </a:r>
             <a:endParaRPr lang="en-US" b="1"/>
           </a:p>
@@ -10180,7 +10180,7 @@
           <a:p>
             <a:r>
               <a:rPr lang="ru-RU" b="1"/>
-              <a:t>Создание ландшафта</a:t>
+              <a:t>Создание карты высот ландшафта</a:t>
             </a:r>
             <a:endParaRPr lang="en-US" b="1"/>
           </a:p>
